--- a/slideshow/Teologia Sistematica y Biblica - Myer Pearlman/Clases/5. Angeles.pptx
+++ b/slideshow/Teologia Sistematica y Biblica - Myer Pearlman/Clases/5. Angeles.pptx
@@ -42,6 +42,9 @@
     <p:sldId id="325" r:id="rId36"/>
     <p:sldId id="326" r:id="rId37"/>
     <p:sldId id="327" r:id="rId38"/>
+    <p:sldId id="328" r:id="rId39"/>
+    <p:sldId id="329" r:id="rId40"/>
+    <p:sldId id="330" r:id="rId41"/>
   </p:sldIdLst>
   <p:sldSz cx="9144000" cy="5715000" type="screen16x10"/>
   <p:notesSz cx="6858000" cy="9144000"/>
@@ -279,7 +282,7 @@
           <a:p>
             <a:fld id="{50DEE611-8BEF-4990-B4F5-91A0FAC492E5}" type="datetimeFigureOut">
               <a:rPr lang="es-VE" smtClean="0"/>
-              <a:t>2/4/2021</a:t>
+              <a:t>9/4/2021</a:t>
             </a:fld>
             <a:endParaRPr lang="es-VE" dirty="0"/>
           </a:p>
@@ -449,7 +452,7 @@
           <a:p>
             <a:fld id="{50DEE611-8BEF-4990-B4F5-91A0FAC492E5}" type="datetimeFigureOut">
               <a:rPr lang="es-VE" smtClean="0"/>
-              <a:t>2/4/2021</a:t>
+              <a:t>9/4/2021</a:t>
             </a:fld>
             <a:endParaRPr lang="es-VE" dirty="0"/>
           </a:p>
@@ -629,7 +632,7 @@
           <a:p>
             <a:fld id="{50DEE611-8BEF-4990-B4F5-91A0FAC492E5}" type="datetimeFigureOut">
               <a:rPr lang="es-VE" smtClean="0"/>
-              <a:t>2/4/2021</a:t>
+              <a:t>9/4/2021</a:t>
             </a:fld>
             <a:endParaRPr lang="es-VE" dirty="0"/>
           </a:p>
@@ -799,7 +802,7 @@
           <a:p>
             <a:fld id="{50DEE611-8BEF-4990-B4F5-91A0FAC492E5}" type="datetimeFigureOut">
               <a:rPr lang="es-VE" smtClean="0"/>
-              <a:t>2/4/2021</a:t>
+              <a:t>9/4/2021</a:t>
             </a:fld>
             <a:endParaRPr lang="es-VE" dirty="0"/>
           </a:p>
@@ -1045,7 +1048,7 @@
           <a:p>
             <a:fld id="{50DEE611-8BEF-4990-B4F5-91A0FAC492E5}" type="datetimeFigureOut">
               <a:rPr lang="es-VE" smtClean="0"/>
-              <a:t>2/4/2021</a:t>
+              <a:t>9/4/2021</a:t>
             </a:fld>
             <a:endParaRPr lang="es-VE" dirty="0"/>
           </a:p>
@@ -1277,7 +1280,7 @@
           <a:p>
             <a:fld id="{50DEE611-8BEF-4990-B4F5-91A0FAC492E5}" type="datetimeFigureOut">
               <a:rPr lang="es-VE" smtClean="0"/>
-              <a:t>2/4/2021</a:t>
+              <a:t>9/4/2021</a:t>
             </a:fld>
             <a:endParaRPr lang="es-VE" dirty="0"/>
           </a:p>
@@ -1644,7 +1647,7 @@
           <a:p>
             <a:fld id="{50DEE611-8BEF-4990-B4F5-91A0FAC492E5}" type="datetimeFigureOut">
               <a:rPr lang="es-VE" smtClean="0"/>
-              <a:t>2/4/2021</a:t>
+              <a:t>9/4/2021</a:t>
             </a:fld>
             <a:endParaRPr lang="es-VE" dirty="0"/>
           </a:p>
@@ -1762,7 +1765,7 @@
           <a:p>
             <a:fld id="{50DEE611-8BEF-4990-B4F5-91A0FAC492E5}" type="datetimeFigureOut">
               <a:rPr lang="es-VE" smtClean="0"/>
-              <a:t>2/4/2021</a:t>
+              <a:t>9/4/2021</a:t>
             </a:fld>
             <a:endParaRPr lang="es-VE" dirty="0"/>
           </a:p>
@@ -1857,7 +1860,7 @@
           <a:p>
             <a:fld id="{50DEE611-8BEF-4990-B4F5-91A0FAC492E5}" type="datetimeFigureOut">
               <a:rPr lang="es-VE" smtClean="0"/>
-              <a:t>2/4/2021</a:t>
+              <a:t>9/4/2021</a:t>
             </a:fld>
             <a:endParaRPr lang="es-VE" dirty="0"/>
           </a:p>
@@ -2134,7 +2137,7 @@
           <a:p>
             <a:fld id="{50DEE611-8BEF-4990-B4F5-91A0FAC492E5}" type="datetimeFigureOut">
               <a:rPr lang="es-VE" smtClean="0"/>
-              <a:t>2/4/2021</a:t>
+              <a:t>9/4/2021</a:t>
             </a:fld>
             <a:endParaRPr lang="es-VE" dirty="0"/>
           </a:p>
@@ -2391,7 +2394,7 @@
           <a:p>
             <a:fld id="{50DEE611-8BEF-4990-B4F5-91A0FAC492E5}" type="datetimeFigureOut">
               <a:rPr lang="es-VE" smtClean="0"/>
-              <a:t>2/4/2021</a:t>
+              <a:t>9/4/2021</a:t>
             </a:fld>
             <a:endParaRPr lang="es-VE" dirty="0"/>
           </a:p>
@@ -2607,7 +2610,7 @@
           <a:p>
             <a:fld id="{50DEE611-8BEF-4990-B4F5-91A0FAC492E5}" type="datetimeFigureOut">
               <a:rPr lang="es-VE" smtClean="0"/>
-              <a:t>2/4/2021</a:t>
+              <a:t>9/4/2021</a:t>
             </a:fld>
             <a:endParaRPr lang="es-VE" dirty="0"/>
           </a:p>
@@ -10491,7 +10494,7 @@
               <a:rPr lang="es-VE" sz="8000" b="1" dirty="0">
                 <a:latin typeface="+mn-lt"/>
               </a:rPr>
-              <a:t>4. SATANÁS</a:t>
+              <a:t>5. SATANÁS</a:t>
             </a:r>
           </a:p>
         </p:txBody>
@@ -10589,14 +10592,14 @@
           <a:p>
             <a:r>
               <a:rPr lang="es-VE" sz="4900" b="1" dirty="0"/>
-              <a:t>4. SATANÁS</a:t>
+              <a:t>5. SATANÁS</a:t>
             </a:r>
             <a:br>
               <a:rPr lang="es-VE" sz="6600" b="1" dirty="0"/>
             </a:br>
             <a:r>
               <a:rPr lang="es-VE" b="1" dirty="0"/>
-              <a:t>4.1. Su origen</a:t>
+              <a:t>5.1. Su origen</a:t>
             </a:r>
             <a:endParaRPr lang="es-VE" sz="6600" b="1" dirty="0"/>
           </a:p>
@@ -11134,14 +11137,14 @@
           <a:p>
             <a:r>
               <a:rPr lang="es-VE" sz="4900" b="1" dirty="0"/>
-              <a:t>4. SATANÁS</a:t>
+              <a:t>5. SATANÁS</a:t>
             </a:r>
             <a:br>
               <a:rPr lang="es-VE" sz="6600" b="1" dirty="0"/>
             </a:br>
             <a:r>
               <a:rPr lang="es-VE" b="1" dirty="0"/>
-              <a:t>4. 2. Su carácter</a:t>
+              <a:t>5.2. Su carácter</a:t>
             </a:r>
             <a:endParaRPr lang="es-VE" sz="6600" b="1" dirty="0"/>
           </a:p>
@@ -11559,21 +11562,21 @@
           <a:p>
             <a:r>
               <a:rPr lang="es-VE" sz="4900" b="1" dirty="0"/>
-              <a:t>4. SATANÁS</a:t>
+              <a:t>5. SATANÁS</a:t>
             </a:r>
             <a:br>
               <a:rPr lang="es-VE" sz="6600" b="1" dirty="0"/>
             </a:br>
             <a:r>
               <a:rPr lang="es-VE" b="1" dirty="0"/>
-              <a:t>4.2. Su carácter</a:t>
+              <a:t>5.2. Su carácter</a:t>
             </a:r>
             <a:br>
               <a:rPr lang="es-VE" b="1" dirty="0"/>
             </a:br>
             <a:r>
               <a:rPr lang="es-VE" sz="2700" b="1" dirty="0"/>
-              <a:t>4.2.1 Satanás</a:t>
+              <a:t>5.2.1 Satanás</a:t>
             </a:r>
             <a:endParaRPr lang="es-VE" sz="6600" b="1" dirty="0"/>
           </a:p>
@@ -12027,21 +12030,21 @@
           <a:p>
             <a:r>
               <a:rPr lang="es-VE" sz="4900" b="1" dirty="0"/>
-              <a:t>4. SATANÁS</a:t>
+              <a:t>5. SATANÁS</a:t>
             </a:r>
             <a:br>
               <a:rPr lang="es-VE" sz="6600" b="1" dirty="0"/>
             </a:br>
             <a:r>
               <a:rPr lang="es-VE" b="1" dirty="0"/>
-              <a:t>4.2. Su carácter</a:t>
+              <a:t>5.2. Su carácter</a:t>
             </a:r>
             <a:br>
               <a:rPr lang="es-VE" b="1" dirty="0"/>
             </a:br>
             <a:r>
               <a:rPr lang="es-VE" sz="2700" b="1" dirty="0"/>
-              <a:t>4.2.2. Diablo</a:t>
+              <a:t>5.2.2. Diablo</a:t>
             </a:r>
             <a:endParaRPr lang="es-VE" sz="6600" b="1" dirty="0"/>
           </a:p>
@@ -12163,7 +12166,7 @@
         </p:spPr>
         <p:txBody>
           <a:bodyPr vert="horz" lIns="91440" tIns="45720" rIns="91440" bIns="45720" rtlCol="0" anchor="ctr">
-            <a:normAutofit fontScale="85000" lnSpcReduction="10000"/>
+            <a:normAutofit fontScale="92500"/>
           </a:bodyPr>
           <a:lstStyle>
             <a:lvl1pPr marL="171446" indent="-171446" algn="l" defTabSz="685783" rtl="0" eaLnBrk="1" latinLnBrk="0" hangingPunct="1">
@@ -12343,7 +12346,7 @@
             </a:r>
             <a:r>
               <a:rPr lang="es-VE" sz="2400" dirty="0"/>
-              <a:t> Génesis 3:2, 4, 5 </a:t>
+              <a:t> Génesis 3:2-5 </a:t>
             </a:r>
             <a:r>
               <a:rPr lang="es-VE" sz="2400" b="1" dirty="0">
@@ -12566,21 +12569,21 @@
           <a:p>
             <a:r>
               <a:rPr lang="es-VE" sz="4900" b="1" dirty="0"/>
-              <a:t>4. SATANÁS</a:t>
+              <a:t>5. SATANÁS</a:t>
             </a:r>
             <a:br>
               <a:rPr lang="es-VE" sz="6600" b="1" dirty="0"/>
             </a:br>
             <a:r>
               <a:rPr lang="es-VE" b="1" dirty="0"/>
-              <a:t>4.2. Su carácter</a:t>
+              <a:t>5.2. Su carácter</a:t>
             </a:r>
             <a:br>
               <a:rPr lang="es-VE" b="1" dirty="0"/>
             </a:br>
             <a:r>
               <a:rPr lang="es-VE" sz="2700" b="1" dirty="0"/>
-              <a:t>4.2.3. Destructor</a:t>
+              <a:t>5.2.3. Destructor</a:t>
             </a:r>
             <a:endParaRPr lang="es-VE" sz="6600" b="1" dirty="0"/>
           </a:p>
@@ -13084,21 +13087,21 @@
           <a:p>
             <a:r>
               <a:rPr lang="es-VE" sz="4900" b="1" dirty="0"/>
-              <a:t>4. SATANÁS</a:t>
+              <a:t>5. SATANÁS</a:t>
             </a:r>
             <a:br>
               <a:rPr lang="es-VE" sz="6600" b="1" dirty="0"/>
             </a:br>
             <a:r>
               <a:rPr lang="es-VE" b="1" dirty="0"/>
-              <a:t>4.2. Su carácter</a:t>
+              <a:t>5.2. Su carácter</a:t>
             </a:r>
             <a:br>
               <a:rPr lang="es-VE" b="1" dirty="0"/>
             </a:br>
             <a:r>
               <a:rPr lang="es-VE" sz="2700" b="1" dirty="0"/>
-              <a:t>4.2.4. Serpiente</a:t>
+              <a:t>5.2.4. Serpiente</a:t>
             </a:r>
             <a:endParaRPr lang="es-VE" sz="6600" b="1" dirty="0"/>
           </a:p>
@@ -13522,21 +13525,21 @@
           <a:p>
             <a:r>
               <a:rPr lang="es-VE" sz="4900" b="1" dirty="0"/>
-              <a:t>4. SATANÁS</a:t>
+              <a:t>5. SATANÁS</a:t>
             </a:r>
             <a:br>
               <a:rPr lang="es-VE" sz="6600" b="1" dirty="0"/>
             </a:br>
             <a:r>
               <a:rPr lang="es-VE" b="1" dirty="0"/>
-              <a:t>4.2. Su carácter</a:t>
+              <a:t>5.2. Su carácter</a:t>
             </a:r>
             <a:br>
               <a:rPr lang="es-VE" b="1" dirty="0"/>
             </a:br>
             <a:r>
               <a:rPr lang="es-VE" sz="2700" b="1" dirty="0"/>
-              <a:t>4.2.5. Tentador</a:t>
+              <a:t>5.2.5. Tentador</a:t>
             </a:r>
             <a:endParaRPr lang="es-VE" sz="6600" b="1" dirty="0"/>
           </a:p>
@@ -13968,21 +13971,21 @@
           <a:p>
             <a:r>
               <a:rPr lang="es-VE" sz="4900" b="1" dirty="0"/>
-              <a:t>4. SATANÁS</a:t>
+              <a:t>5. SATANÁS</a:t>
             </a:r>
             <a:br>
               <a:rPr lang="es-VE" sz="6600" b="1" dirty="0"/>
             </a:br>
             <a:r>
               <a:rPr lang="es-VE" b="1" dirty="0"/>
-              <a:t>4.2. Su carácter</a:t>
+              <a:t>5.2. Su carácter</a:t>
             </a:r>
             <a:br>
               <a:rPr lang="es-VE" b="1" dirty="0"/>
             </a:br>
             <a:r>
               <a:rPr lang="es-VE" sz="2700" b="1" dirty="0"/>
-              <a:t>4.2.6. Príncipe y dios de este mundo</a:t>
+              <a:t>5.2.6. Príncipe y dios de este mundo</a:t>
             </a:r>
             <a:endParaRPr lang="es-VE" sz="6600" b="1" dirty="0"/>
           </a:p>
@@ -14470,21 +14473,21 @@
           <a:p>
             <a:r>
               <a:rPr lang="es-VE" sz="4900" b="1" dirty="0"/>
-              <a:t>4. SATANÁS</a:t>
+              <a:t>5. SATANÁS</a:t>
             </a:r>
             <a:br>
               <a:rPr lang="es-VE" sz="6600" b="1" dirty="0"/>
             </a:br>
             <a:r>
               <a:rPr lang="es-VE" b="1" dirty="0"/>
-              <a:t>4.3. Sus actividades</a:t>
+              <a:t>5.3. Sus actividades</a:t>
             </a:r>
             <a:br>
               <a:rPr lang="es-VE" b="1" dirty="0"/>
             </a:br>
             <a:r>
               <a:rPr lang="es-VE" sz="2700" b="1" dirty="0"/>
-              <a:t>4.3.1. Su naturaleza</a:t>
+              <a:t>5.3.1. Su naturaleza</a:t>
             </a:r>
             <a:endParaRPr lang="es-VE" sz="6600" b="1" dirty="0"/>
           </a:p>
@@ -15324,21 +15327,21 @@
           <a:p>
             <a:r>
               <a:rPr lang="es-VE" sz="4900" b="1" dirty="0"/>
-              <a:t>4. SATANÁS</a:t>
+              <a:t>5. SATANÁS</a:t>
             </a:r>
             <a:br>
               <a:rPr lang="es-VE" sz="6600" b="1" dirty="0"/>
             </a:br>
             <a:r>
               <a:rPr lang="es-VE" b="1" dirty="0"/>
-              <a:t>4.3. Sus actividades</a:t>
+              <a:t>5.3. Sus actividades</a:t>
             </a:r>
             <a:br>
               <a:rPr lang="es-VE" b="1" dirty="0"/>
             </a:br>
             <a:r>
               <a:rPr lang="es-VE" sz="2700" b="1" dirty="0"/>
-              <a:t>4.3.2. Su esfera</a:t>
+              <a:t>5.3.2. Su esfera</a:t>
             </a:r>
             <a:endParaRPr lang="es-VE" sz="6600" b="1" dirty="0"/>
           </a:p>
@@ -15912,21 +15915,21 @@
           <a:p>
             <a:r>
               <a:rPr lang="es-VE" sz="4900" b="1" dirty="0"/>
-              <a:t>4. SATANÁS</a:t>
+              <a:t>5. SATANÁS</a:t>
             </a:r>
             <a:br>
               <a:rPr lang="es-VE" sz="6600" b="1" dirty="0"/>
             </a:br>
             <a:r>
               <a:rPr lang="es-VE" b="1" dirty="0"/>
-              <a:t>4.3. Sus actividades</a:t>
+              <a:t>5.3. Sus actividades</a:t>
             </a:r>
             <a:br>
               <a:rPr lang="es-VE" b="1" dirty="0"/>
             </a:br>
             <a:r>
               <a:rPr lang="es-VE" sz="2700" b="1" dirty="0"/>
-              <a:t>4.3.4. Su limitación</a:t>
+              <a:t>5.3.4. Su limitación</a:t>
             </a:r>
             <a:endParaRPr lang="es-VE" sz="6600" b="1" dirty="0"/>
           </a:p>
@@ -16494,14 +16497,18 @@
           <a:p>
             <a:r>
               <a:rPr lang="es-VE" sz="4900" b="1" dirty="0"/>
-              <a:t>4. SATANÁS</a:t>
+              <a:t>5. SATANÁS</a:t>
             </a:r>
             <a:br>
-              <a:rPr lang="es-VE" sz="6600" b="1" dirty="0"/>
+              <a:rPr lang="es-VE" sz="6600" b="1"/>
             </a:br>
             <a:r>
+              <a:rPr lang="es-VE" b="1"/>
+              <a:t>5.4</a:t>
+            </a:r>
+            <a:r>
               <a:rPr lang="es-VE" b="1" dirty="0"/>
-              <a:t>4.4. Su destino</a:t>
+              <a:t>. Su destino</a:t>
             </a:r>
             <a:endParaRPr lang="es-VE" sz="6600" b="1" dirty="0"/>
           </a:p>
@@ -17012,6 +17019,1053 @@
     <p:extLst>
       <p:ext uri="{BB962C8B-B14F-4D97-AF65-F5344CB8AC3E}">
         <p14:creationId xmlns:p14="http://schemas.microsoft.com/office/powerpoint/2010/main" val="3120023306"/>
+      </p:ext>
+    </p:extLst>
+  </p:cSld>
+  <p:clrMapOvr>
+    <a:masterClrMapping/>
+  </p:clrMapOvr>
+</p:sld>
+</file>
+
+<file path=ppt/slides/slide38.xml><?xml version="1.0" encoding="utf-8"?>
+<p:sld xmlns:a="http://schemas.openxmlformats.org/drawingml/2006/main" xmlns:r="http://schemas.openxmlformats.org/officeDocument/2006/relationships" xmlns:p="http://schemas.openxmlformats.org/presentationml/2006/main">
+  <p:cSld>
+    <p:bg>
+      <p:bgPr>
+        <a:gradFill flip="none" rotWithShape="1">
+          <a:gsLst>
+            <a:gs pos="0">
+              <a:schemeClr val="accent5">
+                <a:lumMod val="5000"/>
+                <a:lumOff val="95000"/>
+              </a:schemeClr>
+            </a:gs>
+            <a:gs pos="74000">
+              <a:schemeClr val="accent5">
+                <a:lumMod val="45000"/>
+                <a:lumOff val="55000"/>
+              </a:schemeClr>
+            </a:gs>
+            <a:gs pos="83000">
+              <a:schemeClr val="accent5">
+                <a:lumMod val="45000"/>
+                <a:lumOff val="55000"/>
+              </a:schemeClr>
+            </a:gs>
+            <a:gs pos="100000">
+              <a:schemeClr val="accent5">
+                <a:lumMod val="30000"/>
+                <a:lumOff val="70000"/>
+              </a:schemeClr>
+            </a:gs>
+          </a:gsLst>
+          <a:lin ang="5400000" scaled="1"/>
+          <a:tileRect/>
+        </a:gradFill>
+        <a:effectLst/>
+      </p:bgPr>
+    </p:bg>
+    <p:spTree>
+      <p:nvGrpSpPr>
+        <p:cNvPr id="1" name=""/>
+        <p:cNvGrpSpPr/>
+        <p:nvPr/>
+      </p:nvGrpSpPr>
+      <p:grpSpPr>
+        <a:xfrm>
+          <a:off x="0" y="0"/>
+          <a:ext cx="0" cy="0"/>
+          <a:chOff x="0" y="0"/>
+          <a:chExt cx="0" cy="0"/>
+        </a:xfrm>
+      </p:grpSpPr>
+      <p:sp>
+        <p:nvSpPr>
+          <p:cNvPr id="2" name="Título 1">
+            <a:extLst>
+              <a:ext uri="{FF2B5EF4-FFF2-40B4-BE49-F238E27FC236}">
+                <a16:creationId xmlns:a16="http://schemas.microsoft.com/office/drawing/2014/main" id="{FD39663B-C752-4318-8673-4C9548A38A4C}"/>
+              </a:ext>
+            </a:extLst>
+          </p:cNvPr>
+          <p:cNvSpPr>
+            <a:spLocks noGrp="1"/>
+          </p:cNvSpPr>
+          <p:nvPr>
+            <p:ph type="ctrTitle"/>
+          </p:nvPr>
+        </p:nvSpPr>
+        <p:spPr>
+          <a:xfrm>
+            <a:off x="313766" y="408214"/>
+            <a:ext cx="8516471" cy="4947557"/>
+          </a:xfrm>
+        </p:spPr>
+        <p:txBody>
+          <a:bodyPr anchor="ctr">
+            <a:noAutofit/>
+          </a:bodyPr>
+          <a:lstStyle/>
+          <a:p>
+            <a:r>
+              <a:rPr lang="es-VE" sz="8000" b="1" dirty="0">
+                <a:solidFill>
+                  <a:schemeClr val="accent5">
+                    <a:lumMod val="50000"/>
+                  </a:schemeClr>
+                </a:solidFill>
+                <a:latin typeface="+mn-lt"/>
+              </a:rPr>
+              <a:t>6. ESPIRITUS MALVADOS</a:t>
+            </a:r>
+          </a:p>
+        </p:txBody>
+      </p:sp>
+    </p:spTree>
+    <p:extLst>
+      <p:ext uri="{BB962C8B-B14F-4D97-AF65-F5344CB8AC3E}">
+        <p14:creationId xmlns:p14="http://schemas.microsoft.com/office/powerpoint/2010/main" val="3532424337"/>
+      </p:ext>
+    </p:extLst>
+  </p:cSld>
+  <p:clrMapOvr>
+    <a:masterClrMapping/>
+  </p:clrMapOvr>
+</p:sld>
+</file>
+
+<file path=ppt/slides/slide39.xml><?xml version="1.0" encoding="utf-8"?>
+<p:sld xmlns:a="http://schemas.openxmlformats.org/drawingml/2006/main" xmlns:r="http://schemas.openxmlformats.org/officeDocument/2006/relationships" xmlns:p="http://schemas.openxmlformats.org/presentationml/2006/main">
+  <p:cSld>
+    <p:bg>
+      <p:bgPr>
+        <a:gradFill flip="none" rotWithShape="1">
+          <a:gsLst>
+            <a:gs pos="0">
+              <a:schemeClr val="accent5">
+                <a:lumMod val="5000"/>
+                <a:lumOff val="95000"/>
+              </a:schemeClr>
+            </a:gs>
+            <a:gs pos="74000">
+              <a:schemeClr val="accent5">
+                <a:lumMod val="45000"/>
+                <a:lumOff val="55000"/>
+              </a:schemeClr>
+            </a:gs>
+            <a:gs pos="83000">
+              <a:schemeClr val="accent5">
+                <a:lumMod val="45000"/>
+                <a:lumOff val="55000"/>
+              </a:schemeClr>
+            </a:gs>
+            <a:gs pos="100000">
+              <a:schemeClr val="accent5">
+                <a:lumMod val="30000"/>
+                <a:lumOff val="70000"/>
+              </a:schemeClr>
+            </a:gs>
+          </a:gsLst>
+          <a:lin ang="5400000" scaled="1"/>
+          <a:tileRect/>
+        </a:gradFill>
+        <a:effectLst/>
+      </p:bgPr>
+    </p:bg>
+    <p:spTree>
+      <p:nvGrpSpPr>
+        <p:cNvPr id="1" name=""/>
+        <p:cNvGrpSpPr/>
+        <p:nvPr/>
+      </p:nvGrpSpPr>
+      <p:grpSpPr>
+        <a:xfrm>
+          <a:off x="0" y="0"/>
+          <a:ext cx="0" cy="0"/>
+          <a:chOff x="0" y="0"/>
+          <a:chExt cx="0" cy="0"/>
+        </a:xfrm>
+      </p:grpSpPr>
+      <p:sp>
+        <p:nvSpPr>
+          <p:cNvPr id="2" name="Título 1">
+            <a:extLst>
+              <a:ext uri="{FF2B5EF4-FFF2-40B4-BE49-F238E27FC236}">
+                <a16:creationId xmlns:a16="http://schemas.microsoft.com/office/drawing/2014/main" id="{C65A0631-47E2-4854-94DA-DD27A379FEF1}"/>
+              </a:ext>
+            </a:extLst>
+          </p:cNvPr>
+          <p:cNvSpPr>
+            <a:spLocks noGrp="1"/>
+          </p:cNvSpPr>
+          <p:nvPr>
+            <p:ph type="title"/>
+          </p:nvPr>
+        </p:nvSpPr>
+        <p:spPr>
+          <a:xfrm>
+            <a:off x="228600" y="47144"/>
+            <a:ext cx="8686800" cy="1467891"/>
+          </a:xfrm>
+        </p:spPr>
+        <p:txBody>
+          <a:bodyPr anchor="ctr">
+            <a:normAutofit/>
+          </a:bodyPr>
+          <a:lstStyle/>
+          <a:p>
+            <a:r>
+              <a:rPr lang="es-VE" sz="4900" b="1" dirty="0">
+                <a:solidFill>
+                  <a:schemeClr val="accent5">
+                    <a:lumMod val="50000"/>
+                  </a:schemeClr>
+                </a:solidFill>
+              </a:rPr>
+              <a:t>6. ESPIRITUS MALVADOS</a:t>
+            </a:r>
+            <a:br>
+              <a:rPr lang="es-VE" sz="6600" b="1" dirty="0">
+                <a:solidFill>
+                  <a:schemeClr val="accent5">
+                    <a:lumMod val="50000"/>
+                  </a:schemeClr>
+                </a:solidFill>
+              </a:rPr>
+            </a:br>
+            <a:r>
+              <a:rPr lang="es-VE" b="1" dirty="0">
+                <a:solidFill>
+                  <a:schemeClr val="accent5">
+                    <a:lumMod val="50000"/>
+                  </a:schemeClr>
+                </a:solidFill>
+              </a:rPr>
+              <a:t>6.1. Ángeles caídos</a:t>
+            </a:r>
+            <a:endParaRPr lang="es-VE" sz="6600" b="1" dirty="0">
+              <a:solidFill>
+                <a:schemeClr val="accent5">
+                  <a:lumMod val="50000"/>
+                </a:schemeClr>
+              </a:solidFill>
+            </a:endParaRPr>
+          </a:p>
+        </p:txBody>
+      </p:sp>
+      <p:sp>
+        <p:nvSpPr>
+          <p:cNvPr id="3" name="Marcador de contenido 2">
+            <a:extLst>
+              <a:ext uri="{FF2B5EF4-FFF2-40B4-BE49-F238E27FC236}">
+                <a16:creationId xmlns:a16="http://schemas.microsoft.com/office/drawing/2014/main" id="{AA130F57-7D31-4139-81B2-4D70486C00F2}"/>
+              </a:ext>
+            </a:extLst>
+          </p:cNvPr>
+          <p:cNvSpPr>
+            <a:spLocks noGrp="1"/>
+          </p:cNvSpPr>
+          <p:nvPr>
+            <p:ph idx="1"/>
+          </p:nvPr>
+        </p:nvSpPr>
+        <p:spPr>
+          <a:xfrm>
+            <a:off x="228600" y="1515035"/>
+            <a:ext cx="8686800" cy="3567953"/>
+          </a:xfrm>
+        </p:spPr>
+        <p:txBody>
+          <a:bodyPr anchor="ctr">
+            <a:noAutofit/>
+          </a:bodyPr>
+          <a:lstStyle/>
+          <a:p>
+            <a:pPr marL="0" indent="0">
+              <a:buNone/>
+            </a:pPr>
+            <a:r>
+              <a:rPr lang="es-VE" sz="2000" dirty="0">
+                <a:solidFill>
+                  <a:schemeClr val="accent5">
+                    <a:lumMod val="50000"/>
+                  </a:schemeClr>
+                </a:solidFill>
+              </a:rPr>
+              <a:t>Los ángeles fueron creados perfectos, intachables, y a igual que el hombre, fueron dotados del poder de elegir. Bajo la dirección de Satanás, muchos de ellos pecaron y fueron arrojados del cielo </a:t>
+            </a:r>
+            <a:r>
+              <a:rPr lang="es-VE" sz="2000" b="1" dirty="0">
+                <a:solidFill>
+                  <a:schemeClr val="accent4">
+                    <a:lumMod val="75000"/>
+                  </a:schemeClr>
+                </a:solidFill>
+              </a:rPr>
+              <a:t>[1]</a:t>
+            </a:r>
+            <a:r>
+              <a:rPr lang="es-VE" sz="2000" dirty="0">
+                <a:solidFill>
+                  <a:schemeClr val="accent5">
+                    <a:lumMod val="50000"/>
+                  </a:schemeClr>
+                </a:solidFill>
+              </a:rPr>
+              <a:t>. El pecado por el cual Satanás y sus secuaces cayeron era el orgullo.</a:t>
+            </a:r>
+          </a:p>
+          <a:p>
+            <a:pPr marL="0" indent="0">
+              <a:buNone/>
+            </a:pPr>
+            <a:endParaRPr lang="es-VE" sz="2000" dirty="0">
+              <a:solidFill>
+                <a:schemeClr val="accent5">
+                  <a:lumMod val="50000"/>
+                </a:schemeClr>
+              </a:solidFill>
+            </a:endParaRPr>
+          </a:p>
+          <a:p>
+            <a:pPr marL="0" indent="0">
+              <a:buNone/>
+            </a:pPr>
+            <a:r>
+              <a:rPr lang="es-VE" sz="2000" dirty="0">
+                <a:solidFill>
+                  <a:schemeClr val="accent5">
+                    <a:lumMod val="50000"/>
+                  </a:schemeClr>
+                </a:solidFill>
+              </a:rPr>
+              <a:t>La habitación actual de los ángeles malos es según las Escrituras, parcialmente en el infierno </a:t>
+            </a:r>
+            <a:r>
+              <a:rPr lang="es-VE" sz="2000" b="1" dirty="0">
+                <a:solidFill>
+                  <a:schemeClr val="accent4">
+                    <a:lumMod val="75000"/>
+                  </a:schemeClr>
+                </a:solidFill>
+              </a:rPr>
+              <a:t>[2]</a:t>
+            </a:r>
+            <a:r>
+              <a:rPr lang="es-VE" sz="2000" dirty="0">
+                <a:solidFill>
+                  <a:schemeClr val="accent5">
+                    <a:lumMod val="50000"/>
+                  </a:schemeClr>
+                </a:solidFill>
+              </a:rPr>
+              <a:t> y parcialmente en el mundo, en especial en el aire que nos circunda </a:t>
+            </a:r>
+            <a:r>
+              <a:rPr lang="es-VE" sz="2000" b="1" dirty="0">
+                <a:solidFill>
+                  <a:schemeClr val="accent4">
+                    <a:lumMod val="75000"/>
+                  </a:schemeClr>
+                </a:solidFill>
+              </a:rPr>
+              <a:t>[3]</a:t>
+            </a:r>
+            <a:r>
+              <a:rPr lang="es-VE" sz="2000" dirty="0">
+                <a:solidFill>
+                  <a:schemeClr val="accent5">
+                    <a:lumMod val="50000"/>
+                  </a:schemeClr>
+                </a:solidFill>
+              </a:rPr>
+              <a:t>. Al atrapar al hombre en los lazos del pecado, han adquirido gran poder sobre él </a:t>
+            </a:r>
+            <a:r>
+              <a:rPr lang="es-VE" sz="2000" b="1" dirty="0">
+                <a:solidFill>
+                  <a:schemeClr val="accent4">
+                    <a:lumMod val="75000"/>
+                  </a:schemeClr>
+                </a:solidFill>
+              </a:rPr>
+              <a:t>[4]</a:t>
+            </a:r>
+            <a:r>
+              <a:rPr lang="es-VE" sz="2000" dirty="0">
+                <a:solidFill>
+                  <a:schemeClr val="accent4">
+                    <a:lumMod val="75000"/>
+                  </a:schemeClr>
+                </a:solidFill>
+              </a:rPr>
+              <a:t>; </a:t>
+            </a:r>
+            <a:r>
+              <a:rPr lang="es-VE" sz="2000" dirty="0">
+                <a:solidFill>
+                  <a:schemeClr val="accent5">
+                    <a:lumMod val="50000"/>
+                  </a:schemeClr>
+                </a:solidFill>
+              </a:rPr>
+              <a:t>este poder ha sido destruido en lo que respecta a los que son fieles a Cristo, por la redención que El ha logrado </a:t>
+            </a:r>
+            <a:r>
+              <a:rPr lang="es-VE" sz="2000" b="1" dirty="0">
+                <a:solidFill>
+                  <a:schemeClr val="accent4">
+                    <a:lumMod val="75000"/>
+                  </a:schemeClr>
+                </a:solidFill>
+              </a:rPr>
+              <a:t>[5]</a:t>
+            </a:r>
+            <a:r>
+              <a:rPr lang="es-VE" sz="2000" dirty="0">
+                <a:solidFill>
+                  <a:schemeClr val="accent5">
+                    <a:lumMod val="50000"/>
+                  </a:schemeClr>
+                </a:solidFill>
+              </a:rPr>
+              <a:t>. Los ángeles nunca han sido abarcados por la promesa de la redención </a:t>
+            </a:r>
+            <a:r>
+              <a:rPr lang="es-VE" sz="2000" b="1" dirty="0">
+                <a:solidFill>
+                  <a:schemeClr val="accent4">
+                    <a:lumMod val="75000"/>
+                  </a:schemeClr>
+                </a:solidFill>
+              </a:rPr>
+              <a:t>[6]</a:t>
+            </a:r>
+            <a:r>
+              <a:rPr lang="es-VE" sz="2000" dirty="0">
+                <a:solidFill>
+                  <a:schemeClr val="accent5">
+                    <a:lumMod val="50000"/>
+                  </a:schemeClr>
+                </a:solidFill>
+              </a:rPr>
+              <a:t>, pero el infierno ha sido preparado para su castigo eterno </a:t>
+            </a:r>
+            <a:r>
+              <a:rPr lang="es-VE" sz="2000" b="1" dirty="0">
+                <a:solidFill>
+                  <a:schemeClr val="accent4">
+                    <a:lumMod val="75000"/>
+                  </a:schemeClr>
+                </a:solidFill>
+              </a:rPr>
+              <a:t>[7]</a:t>
+            </a:r>
+            <a:r>
+              <a:rPr lang="es-VE" sz="2000" dirty="0">
+                <a:solidFill>
+                  <a:schemeClr val="accent5">
+                    <a:lumMod val="50000"/>
+                  </a:schemeClr>
+                </a:solidFill>
+              </a:rPr>
+              <a:t>.</a:t>
+            </a:r>
+            <a:endParaRPr lang="es-VE" sz="2000" b="1" dirty="0">
+              <a:solidFill>
+                <a:schemeClr val="accent5">
+                  <a:lumMod val="50000"/>
+                </a:schemeClr>
+              </a:solidFill>
+            </a:endParaRPr>
+          </a:p>
+        </p:txBody>
+      </p:sp>
+      <p:sp>
+        <p:nvSpPr>
+          <p:cNvPr id="4" name="Marcador de contenido 2">
+            <a:extLst>
+              <a:ext uri="{FF2B5EF4-FFF2-40B4-BE49-F238E27FC236}">
+                <a16:creationId xmlns:a16="http://schemas.microsoft.com/office/drawing/2014/main" id="{AD729BF5-40FC-4F23-B3BA-A58ACA0A56AD}"/>
+              </a:ext>
+            </a:extLst>
+          </p:cNvPr>
+          <p:cNvSpPr txBox="1">
+            <a:spLocks/>
+          </p:cNvSpPr>
+          <p:nvPr/>
+        </p:nvSpPr>
+        <p:spPr>
+          <a:xfrm>
+            <a:off x="228600" y="5181601"/>
+            <a:ext cx="8686800" cy="486210"/>
+          </a:xfrm>
+          <a:prstGeom prst="rect">
+            <a:avLst/>
+          </a:prstGeom>
+        </p:spPr>
+        <p:txBody>
+          <a:bodyPr vert="horz" lIns="91440" tIns="45720" rIns="91440" bIns="45720" rtlCol="0" anchor="ctr">
+            <a:noAutofit/>
+          </a:bodyPr>
+          <a:lstStyle>
+            <a:lvl1pPr marL="171446" indent="-171446" algn="l" defTabSz="685783" rtl="0" eaLnBrk="1" latinLnBrk="0" hangingPunct="1">
+              <a:lnSpc>
+                <a:spcPct val="90000"/>
+              </a:lnSpc>
+              <a:spcBef>
+                <a:spcPts val="751"/>
+              </a:spcBef>
+              <a:buFont typeface="Arial" panose="020B0604020202020204" pitchFamily="34" charset="0"/>
+              <a:buChar char="•"/>
+              <a:defRPr sz="2100" kern="1200">
+                <a:solidFill>
+                  <a:schemeClr val="tx1"/>
+                </a:solidFill>
+                <a:latin typeface="+mn-lt"/>
+                <a:ea typeface="+mn-ea"/>
+                <a:cs typeface="+mn-cs"/>
+              </a:defRPr>
+            </a:lvl1pPr>
+            <a:lvl2pPr marL="514338" indent="-171446" algn="l" defTabSz="685783" rtl="0" eaLnBrk="1" latinLnBrk="0" hangingPunct="1">
+              <a:lnSpc>
+                <a:spcPct val="90000"/>
+              </a:lnSpc>
+              <a:spcBef>
+                <a:spcPts val="375"/>
+              </a:spcBef>
+              <a:buFont typeface="Arial" panose="020B0604020202020204" pitchFamily="34" charset="0"/>
+              <a:buChar char="•"/>
+              <a:defRPr sz="1800" kern="1200">
+                <a:solidFill>
+                  <a:schemeClr val="tx1"/>
+                </a:solidFill>
+                <a:latin typeface="+mn-lt"/>
+                <a:ea typeface="+mn-ea"/>
+                <a:cs typeface="+mn-cs"/>
+              </a:defRPr>
+            </a:lvl2pPr>
+            <a:lvl3pPr marL="857229" indent="-171446" algn="l" defTabSz="685783" rtl="0" eaLnBrk="1" latinLnBrk="0" hangingPunct="1">
+              <a:lnSpc>
+                <a:spcPct val="90000"/>
+              </a:lnSpc>
+              <a:spcBef>
+                <a:spcPts val="375"/>
+              </a:spcBef>
+              <a:buFont typeface="Arial" panose="020B0604020202020204" pitchFamily="34" charset="0"/>
+              <a:buChar char="•"/>
+              <a:defRPr sz="1500" kern="1200">
+                <a:solidFill>
+                  <a:schemeClr val="tx1"/>
+                </a:solidFill>
+                <a:latin typeface="+mn-lt"/>
+                <a:ea typeface="+mn-ea"/>
+                <a:cs typeface="+mn-cs"/>
+              </a:defRPr>
+            </a:lvl3pPr>
+            <a:lvl4pPr marL="1200121" indent="-171446" algn="l" defTabSz="685783" rtl="0" eaLnBrk="1" latinLnBrk="0" hangingPunct="1">
+              <a:lnSpc>
+                <a:spcPct val="90000"/>
+              </a:lnSpc>
+              <a:spcBef>
+                <a:spcPts val="375"/>
+              </a:spcBef>
+              <a:buFont typeface="Arial" panose="020B0604020202020204" pitchFamily="34" charset="0"/>
+              <a:buChar char="•"/>
+              <a:defRPr sz="1351" kern="1200">
+                <a:solidFill>
+                  <a:schemeClr val="tx1"/>
+                </a:solidFill>
+                <a:latin typeface="+mn-lt"/>
+                <a:ea typeface="+mn-ea"/>
+                <a:cs typeface="+mn-cs"/>
+              </a:defRPr>
+            </a:lvl4pPr>
+            <a:lvl5pPr marL="1543012" indent="-171446" algn="l" defTabSz="685783" rtl="0" eaLnBrk="1" latinLnBrk="0" hangingPunct="1">
+              <a:lnSpc>
+                <a:spcPct val="90000"/>
+              </a:lnSpc>
+              <a:spcBef>
+                <a:spcPts val="375"/>
+              </a:spcBef>
+              <a:buFont typeface="Arial" panose="020B0604020202020204" pitchFamily="34" charset="0"/>
+              <a:buChar char="•"/>
+              <a:defRPr sz="1351" kern="1200">
+                <a:solidFill>
+                  <a:schemeClr val="tx1"/>
+                </a:solidFill>
+                <a:latin typeface="+mn-lt"/>
+                <a:ea typeface="+mn-ea"/>
+                <a:cs typeface="+mn-cs"/>
+              </a:defRPr>
+            </a:lvl5pPr>
+            <a:lvl6pPr marL="1885904" indent="-171446" algn="l" defTabSz="685783" rtl="0" eaLnBrk="1" latinLnBrk="0" hangingPunct="1">
+              <a:lnSpc>
+                <a:spcPct val="90000"/>
+              </a:lnSpc>
+              <a:spcBef>
+                <a:spcPts val="375"/>
+              </a:spcBef>
+              <a:buFont typeface="Arial" panose="020B0604020202020204" pitchFamily="34" charset="0"/>
+              <a:buChar char="•"/>
+              <a:defRPr sz="1351" kern="1200">
+                <a:solidFill>
+                  <a:schemeClr val="tx1"/>
+                </a:solidFill>
+                <a:latin typeface="+mn-lt"/>
+                <a:ea typeface="+mn-ea"/>
+                <a:cs typeface="+mn-cs"/>
+              </a:defRPr>
+            </a:lvl6pPr>
+            <a:lvl7pPr marL="2228795" indent="-171446" algn="l" defTabSz="685783" rtl="0" eaLnBrk="1" latinLnBrk="0" hangingPunct="1">
+              <a:lnSpc>
+                <a:spcPct val="90000"/>
+              </a:lnSpc>
+              <a:spcBef>
+                <a:spcPts val="375"/>
+              </a:spcBef>
+              <a:buFont typeface="Arial" panose="020B0604020202020204" pitchFamily="34" charset="0"/>
+              <a:buChar char="•"/>
+              <a:defRPr sz="1351" kern="1200">
+                <a:solidFill>
+                  <a:schemeClr val="tx1"/>
+                </a:solidFill>
+                <a:latin typeface="+mn-lt"/>
+                <a:ea typeface="+mn-ea"/>
+                <a:cs typeface="+mn-cs"/>
+              </a:defRPr>
+            </a:lvl7pPr>
+            <a:lvl8pPr marL="2571686" indent="-171446" algn="l" defTabSz="685783" rtl="0" eaLnBrk="1" latinLnBrk="0" hangingPunct="1">
+              <a:lnSpc>
+                <a:spcPct val="90000"/>
+              </a:lnSpc>
+              <a:spcBef>
+                <a:spcPts val="375"/>
+              </a:spcBef>
+              <a:buFont typeface="Arial" panose="020B0604020202020204" pitchFamily="34" charset="0"/>
+              <a:buChar char="•"/>
+              <a:defRPr sz="1351" kern="1200">
+                <a:solidFill>
+                  <a:schemeClr val="tx1"/>
+                </a:solidFill>
+                <a:latin typeface="+mn-lt"/>
+                <a:ea typeface="+mn-ea"/>
+                <a:cs typeface="+mn-cs"/>
+              </a:defRPr>
+            </a:lvl8pPr>
+            <a:lvl9pPr marL="2914578" indent="-171446" algn="l" defTabSz="685783" rtl="0" eaLnBrk="1" latinLnBrk="0" hangingPunct="1">
+              <a:lnSpc>
+                <a:spcPct val="90000"/>
+              </a:lnSpc>
+              <a:spcBef>
+                <a:spcPts val="375"/>
+              </a:spcBef>
+              <a:buFont typeface="Arial" panose="020B0604020202020204" pitchFamily="34" charset="0"/>
+              <a:buChar char="•"/>
+              <a:defRPr sz="1351" kern="1200">
+                <a:solidFill>
+                  <a:schemeClr val="tx1"/>
+                </a:solidFill>
+                <a:latin typeface="+mn-lt"/>
+                <a:ea typeface="+mn-ea"/>
+                <a:cs typeface="+mn-cs"/>
+              </a:defRPr>
+            </a:lvl9pPr>
+          </a:lstStyle>
+          <a:p>
+            <a:pPr marL="0" lvl="0" indent="0" algn="r">
+              <a:buNone/>
+            </a:pPr>
+            <a:r>
+              <a:rPr kumimoji="0" lang="es-VE" sz="1600" b="1" i="0" u="none" strike="noStrike" kern="1200" cap="none" spc="0" normalizeH="0" baseline="0" noProof="0" dirty="0">
+                <a:ln>
+                  <a:noFill/>
+                </a:ln>
+                <a:solidFill>
+                  <a:schemeClr val="accent4">
+                    <a:lumMod val="75000"/>
+                  </a:schemeClr>
+                </a:solidFill>
+                <a:effectLst/>
+                <a:uLnTx/>
+                <a:uFillTx/>
+                <a:latin typeface="Calibri" panose="020F0502020204030204"/>
+                <a:ea typeface="+mn-ea"/>
+                <a:cs typeface="+mn-cs"/>
+              </a:rPr>
+              <a:t>[1</a:t>
+            </a:r>
+            <a:r>
+              <a:rPr lang="es-VE" sz="1600" b="1" dirty="0">
+                <a:solidFill>
+                  <a:schemeClr val="accent4">
+                    <a:lumMod val="75000"/>
+                  </a:schemeClr>
+                </a:solidFill>
+              </a:rPr>
+              <a:t>]</a:t>
+            </a:r>
+            <a:r>
+              <a:rPr lang="es-VE" sz="1600" b="1" dirty="0">
+                <a:solidFill>
+                  <a:schemeClr val="accent5">
+                    <a:lumMod val="50000"/>
+                  </a:schemeClr>
+                </a:solidFill>
+              </a:rPr>
+              <a:t> </a:t>
+            </a:r>
+            <a:r>
+              <a:rPr lang="es-VE" sz="1600" dirty="0">
+                <a:solidFill>
+                  <a:schemeClr val="accent5">
+                    <a:lumMod val="50000"/>
+                  </a:schemeClr>
+                </a:solidFill>
+              </a:rPr>
+              <a:t>2Pe 2:4; </a:t>
+            </a:r>
+            <a:r>
+              <a:rPr lang="es-VE" sz="1600" dirty="0" err="1">
+                <a:solidFill>
+                  <a:schemeClr val="accent5">
+                    <a:lumMod val="50000"/>
+                  </a:schemeClr>
+                </a:solidFill>
+              </a:rPr>
+              <a:t>Jud</a:t>
+            </a:r>
+            <a:r>
+              <a:rPr lang="es-VE" sz="1600" dirty="0">
+                <a:solidFill>
+                  <a:schemeClr val="accent5">
+                    <a:lumMod val="50000"/>
+                  </a:schemeClr>
+                </a:solidFill>
+              </a:rPr>
+              <a:t> 1:6</a:t>
+            </a:r>
+            <a:r>
+              <a:rPr lang="es-VE" sz="1600" b="1" dirty="0">
+                <a:solidFill>
+                  <a:schemeClr val="accent5">
+                    <a:lumMod val="50000"/>
+                  </a:schemeClr>
+                </a:solidFill>
+              </a:rPr>
+              <a:t> </a:t>
+            </a:r>
+            <a:r>
+              <a:rPr lang="es-VE" sz="1600" b="1" dirty="0">
+                <a:solidFill>
+                  <a:schemeClr val="accent4">
+                    <a:lumMod val="75000"/>
+                  </a:schemeClr>
+                </a:solidFill>
+              </a:rPr>
+              <a:t>[</a:t>
+            </a:r>
+            <a:r>
+              <a:rPr kumimoji="0" lang="es-VE" sz="1600" b="1" i="0" u="none" strike="noStrike" kern="1200" cap="none" spc="0" normalizeH="0" baseline="0" noProof="0" dirty="0">
+                <a:ln>
+                  <a:noFill/>
+                </a:ln>
+                <a:solidFill>
+                  <a:schemeClr val="accent4">
+                    <a:lumMod val="75000"/>
+                  </a:schemeClr>
+                </a:solidFill>
+                <a:effectLst/>
+                <a:uLnTx/>
+                <a:uFillTx/>
+                <a:latin typeface="Calibri" panose="020F0502020204030204"/>
+                <a:ea typeface="+mn-ea"/>
+                <a:cs typeface="+mn-cs"/>
+              </a:rPr>
+              <a:t>2</a:t>
+            </a:r>
+            <a:r>
+              <a:rPr lang="es-VE" sz="1600" b="1" dirty="0">
+                <a:solidFill>
+                  <a:schemeClr val="accent4">
+                    <a:lumMod val="75000"/>
+                  </a:schemeClr>
+                </a:solidFill>
+              </a:rPr>
+              <a:t>]</a:t>
+            </a:r>
+            <a:r>
+              <a:rPr lang="es-VE" sz="1600" b="1" dirty="0">
+                <a:solidFill>
+                  <a:schemeClr val="accent5">
+                    <a:lumMod val="50000"/>
+                  </a:schemeClr>
+                </a:solidFill>
+              </a:rPr>
+              <a:t> </a:t>
+            </a:r>
+            <a:r>
+              <a:rPr lang="es-VE" sz="1600" dirty="0">
+                <a:solidFill>
+                  <a:schemeClr val="accent5">
+                    <a:lumMod val="50000"/>
+                  </a:schemeClr>
+                </a:solidFill>
+              </a:rPr>
+              <a:t>2Pe 2:4 </a:t>
+            </a:r>
+            <a:r>
+              <a:rPr lang="es-VE" sz="1600" b="1" dirty="0">
+                <a:solidFill>
+                  <a:schemeClr val="accent4">
+                    <a:lumMod val="75000"/>
+                  </a:schemeClr>
+                </a:solidFill>
+              </a:rPr>
+              <a:t>[3] </a:t>
+            </a:r>
+            <a:r>
+              <a:rPr lang="es-VE" sz="1600" dirty="0" err="1">
+                <a:solidFill>
+                  <a:schemeClr val="accent5">
+                    <a:lumMod val="50000"/>
+                  </a:schemeClr>
+                </a:solidFill>
+              </a:rPr>
+              <a:t>Jn</a:t>
+            </a:r>
+            <a:r>
+              <a:rPr lang="es-VE" sz="1600" dirty="0">
+                <a:solidFill>
+                  <a:schemeClr val="accent5">
+                    <a:lumMod val="50000"/>
+                  </a:schemeClr>
+                </a:solidFill>
+              </a:rPr>
+              <a:t> 12:31; </a:t>
+            </a:r>
+            <a:r>
+              <a:rPr lang="es-VE" sz="1600" dirty="0" err="1">
+                <a:solidFill>
+                  <a:schemeClr val="accent5">
+                    <a:lumMod val="50000"/>
+                  </a:schemeClr>
+                </a:solidFill>
+              </a:rPr>
+              <a:t>Jn</a:t>
+            </a:r>
+            <a:r>
+              <a:rPr lang="es-VE" sz="1600" dirty="0">
+                <a:solidFill>
+                  <a:schemeClr val="accent5">
+                    <a:lumMod val="50000"/>
+                  </a:schemeClr>
+                </a:solidFill>
+              </a:rPr>
+              <a:t> 14:30; 2Co 4:4; </a:t>
+            </a:r>
+            <a:r>
+              <a:rPr lang="es-VE" sz="1600" dirty="0" err="1">
+                <a:solidFill>
+                  <a:schemeClr val="accent5">
+                    <a:lumMod val="50000"/>
+                  </a:schemeClr>
+                </a:solidFill>
+              </a:rPr>
+              <a:t>Ap</a:t>
+            </a:r>
+            <a:r>
+              <a:rPr lang="es-VE" sz="1600" dirty="0">
+                <a:solidFill>
+                  <a:schemeClr val="accent5">
+                    <a:lumMod val="50000"/>
+                  </a:schemeClr>
+                </a:solidFill>
+              </a:rPr>
+              <a:t> 12:4, </a:t>
+            </a:r>
+            <a:r>
+              <a:rPr lang="es-VE" sz="1600" dirty="0" err="1">
+                <a:solidFill>
+                  <a:schemeClr val="accent5">
+                    <a:lumMod val="50000"/>
+                  </a:schemeClr>
+                </a:solidFill>
+              </a:rPr>
+              <a:t>Ap</a:t>
+            </a:r>
+            <a:r>
+              <a:rPr lang="es-VE" sz="1600" dirty="0">
+                <a:solidFill>
+                  <a:schemeClr val="accent5">
+                    <a:lumMod val="50000"/>
+                  </a:schemeClr>
+                </a:solidFill>
+              </a:rPr>
+              <a:t> 12:7-9 </a:t>
+            </a:r>
+            <a:r>
+              <a:rPr lang="es-VE" sz="1600" b="1" dirty="0">
+                <a:solidFill>
+                  <a:schemeClr val="accent4">
+                    <a:lumMod val="75000"/>
+                  </a:schemeClr>
+                </a:solidFill>
+              </a:rPr>
+              <a:t>[4]</a:t>
+            </a:r>
+            <a:r>
+              <a:rPr lang="es-VE" sz="1600" b="1" dirty="0">
+                <a:solidFill>
+                  <a:schemeClr val="accent5">
+                    <a:lumMod val="50000"/>
+                  </a:schemeClr>
+                </a:solidFill>
+              </a:rPr>
+              <a:t> </a:t>
+            </a:r>
+            <a:r>
+              <a:rPr lang="pt-BR" sz="1600" dirty="0">
+                <a:solidFill>
+                  <a:schemeClr val="accent5">
+                    <a:lumMod val="50000"/>
+                  </a:schemeClr>
+                </a:solidFill>
+              </a:rPr>
+              <a:t>2Co 4:3, 2Co 4:4; Efe 2:2; Efe 6:11, Efe 6:12 </a:t>
+            </a:r>
+            <a:r>
+              <a:rPr lang="pt-BR" sz="1600" b="1" dirty="0">
+                <a:solidFill>
+                  <a:schemeClr val="accent4">
+                    <a:lumMod val="75000"/>
+                  </a:schemeClr>
+                </a:solidFill>
+              </a:rPr>
+              <a:t>[5]</a:t>
+            </a:r>
+            <a:r>
+              <a:rPr lang="pt-BR" sz="1600" b="1" dirty="0">
+                <a:solidFill>
+                  <a:schemeClr val="accent5">
+                    <a:lumMod val="50000"/>
+                  </a:schemeClr>
+                </a:solidFill>
+              </a:rPr>
+              <a:t> </a:t>
+            </a:r>
+            <a:r>
+              <a:rPr lang="it-IT" sz="1600" dirty="0">
+                <a:solidFill>
+                  <a:schemeClr val="accent5">
+                    <a:lumMod val="50000"/>
+                  </a:schemeClr>
+                </a:solidFill>
+              </a:rPr>
+              <a:t>Ap 5:9; Ap 7:13, Ap 7:14 </a:t>
+            </a:r>
+            <a:r>
+              <a:rPr lang="it-IT" sz="1600" b="1" dirty="0">
+                <a:solidFill>
+                  <a:schemeClr val="accent4">
+                    <a:lumMod val="75000"/>
+                  </a:schemeClr>
+                </a:solidFill>
+              </a:rPr>
+              <a:t>[6</a:t>
+            </a:r>
+            <a:r>
+              <a:rPr lang="it-IT" sz="1600" b="1">
+                <a:solidFill>
+                  <a:schemeClr val="accent4">
+                    <a:lumMod val="75000"/>
+                  </a:schemeClr>
+                </a:solidFill>
+              </a:rPr>
+              <a:t>]</a:t>
+            </a:r>
+            <a:r>
+              <a:rPr lang="it-IT" sz="1600" b="1">
+                <a:solidFill>
+                  <a:schemeClr val="accent5">
+                    <a:lumMod val="50000"/>
+                  </a:schemeClr>
+                </a:solidFill>
+              </a:rPr>
+              <a:t> </a:t>
+            </a:r>
+            <a:r>
+              <a:rPr lang="it-IT" sz="1600">
+                <a:solidFill>
+                  <a:schemeClr val="accent5">
+                    <a:lumMod val="50000"/>
+                  </a:schemeClr>
+                </a:solidFill>
+              </a:rPr>
+              <a:t>1Pe 1:12 </a:t>
+            </a:r>
+            <a:r>
+              <a:rPr lang="it-IT" sz="1600" b="1" dirty="0">
+                <a:solidFill>
+                  <a:schemeClr val="accent4">
+                    <a:lumMod val="75000"/>
+                  </a:schemeClr>
+                </a:solidFill>
+              </a:rPr>
+              <a:t>[7</a:t>
+            </a:r>
+            <a:r>
+              <a:rPr lang="it-IT" sz="1600" b="1">
+                <a:solidFill>
+                  <a:schemeClr val="accent4">
+                    <a:lumMod val="75000"/>
+                  </a:schemeClr>
+                </a:solidFill>
+              </a:rPr>
+              <a:t>]</a:t>
+            </a:r>
+            <a:r>
+              <a:rPr lang="it-IT" sz="1600" b="1">
+                <a:solidFill>
+                  <a:schemeClr val="accent5">
+                    <a:lumMod val="50000"/>
+                  </a:schemeClr>
+                </a:solidFill>
+              </a:rPr>
+              <a:t> </a:t>
+            </a:r>
+            <a:r>
+              <a:rPr lang="it-IT" sz="1600">
+                <a:solidFill>
+                  <a:schemeClr val="accent5">
+                    <a:lumMod val="50000"/>
+                  </a:schemeClr>
+                </a:solidFill>
+              </a:rPr>
+              <a:t>Mat 25:41</a:t>
+            </a:r>
+            <a:endParaRPr kumimoji="0" lang="es-VE" sz="1600" i="0" u="none" strike="noStrike" kern="1200" cap="none" spc="0" normalizeH="0" baseline="0" noProof="0" dirty="0">
+              <a:ln>
+                <a:noFill/>
+              </a:ln>
+              <a:solidFill>
+                <a:schemeClr val="accent5">
+                  <a:lumMod val="50000"/>
+                </a:schemeClr>
+              </a:solidFill>
+              <a:effectLst/>
+              <a:uLnTx/>
+              <a:uFillTx/>
+              <a:latin typeface="Calibri" panose="020F0502020204030204"/>
+            </a:endParaRPr>
+          </a:p>
+        </p:txBody>
+      </p:sp>
+    </p:spTree>
+    <p:extLst>
+      <p:ext uri="{BB962C8B-B14F-4D97-AF65-F5344CB8AC3E}">
+        <p14:creationId xmlns:p14="http://schemas.microsoft.com/office/powerpoint/2010/main" val="222851491"/>
       </p:ext>
     </p:extLst>
   </p:cSld>
@@ -17495,6 +18549,636 @@
     <p:extLst>
       <p:ext uri="{BB962C8B-B14F-4D97-AF65-F5344CB8AC3E}">
         <p14:creationId xmlns:p14="http://schemas.microsoft.com/office/powerpoint/2010/main" val="2307734757"/>
+      </p:ext>
+    </p:extLst>
+  </p:cSld>
+  <p:clrMapOvr>
+    <a:masterClrMapping/>
+  </p:clrMapOvr>
+</p:sld>
+</file>
+
+<file path=ppt/slides/slide40.xml><?xml version="1.0" encoding="utf-8"?>
+<p:sld xmlns:a="http://schemas.openxmlformats.org/drawingml/2006/main" xmlns:r="http://schemas.openxmlformats.org/officeDocument/2006/relationships" xmlns:p="http://schemas.openxmlformats.org/presentationml/2006/main">
+  <p:cSld>
+    <p:bg>
+      <p:bgPr>
+        <a:gradFill flip="none" rotWithShape="1">
+          <a:gsLst>
+            <a:gs pos="0">
+              <a:schemeClr val="accent5">
+                <a:lumMod val="5000"/>
+                <a:lumOff val="95000"/>
+              </a:schemeClr>
+            </a:gs>
+            <a:gs pos="74000">
+              <a:schemeClr val="accent5">
+                <a:lumMod val="45000"/>
+                <a:lumOff val="55000"/>
+              </a:schemeClr>
+            </a:gs>
+            <a:gs pos="83000">
+              <a:schemeClr val="accent5">
+                <a:lumMod val="45000"/>
+                <a:lumOff val="55000"/>
+              </a:schemeClr>
+            </a:gs>
+            <a:gs pos="100000">
+              <a:schemeClr val="accent5">
+                <a:lumMod val="30000"/>
+                <a:lumOff val="70000"/>
+              </a:schemeClr>
+            </a:gs>
+          </a:gsLst>
+          <a:lin ang="5400000" scaled="1"/>
+          <a:tileRect/>
+        </a:gradFill>
+        <a:effectLst/>
+      </p:bgPr>
+    </p:bg>
+    <p:spTree>
+      <p:nvGrpSpPr>
+        <p:cNvPr id="1" name=""/>
+        <p:cNvGrpSpPr/>
+        <p:nvPr/>
+      </p:nvGrpSpPr>
+      <p:grpSpPr>
+        <a:xfrm>
+          <a:off x="0" y="0"/>
+          <a:ext cx="0" cy="0"/>
+          <a:chOff x="0" y="0"/>
+          <a:chExt cx="0" cy="0"/>
+        </a:xfrm>
+      </p:grpSpPr>
+      <p:sp>
+        <p:nvSpPr>
+          <p:cNvPr id="2" name="Título 1">
+            <a:extLst>
+              <a:ext uri="{FF2B5EF4-FFF2-40B4-BE49-F238E27FC236}">
+                <a16:creationId xmlns:a16="http://schemas.microsoft.com/office/drawing/2014/main" id="{C65A0631-47E2-4854-94DA-DD27A379FEF1}"/>
+              </a:ext>
+            </a:extLst>
+          </p:cNvPr>
+          <p:cNvSpPr>
+            <a:spLocks noGrp="1"/>
+          </p:cNvSpPr>
+          <p:nvPr>
+            <p:ph type="title"/>
+          </p:nvPr>
+        </p:nvSpPr>
+        <p:spPr>
+          <a:xfrm>
+            <a:off x="228600" y="47144"/>
+            <a:ext cx="8686800" cy="1467891"/>
+          </a:xfrm>
+        </p:spPr>
+        <p:txBody>
+          <a:bodyPr anchor="ctr">
+            <a:normAutofit/>
+          </a:bodyPr>
+          <a:lstStyle/>
+          <a:p>
+            <a:r>
+              <a:rPr lang="es-VE" sz="4900" b="1" dirty="0">
+                <a:solidFill>
+                  <a:schemeClr val="accent5">
+                    <a:lumMod val="50000"/>
+                  </a:schemeClr>
+                </a:solidFill>
+              </a:rPr>
+              <a:t>6. ESPIRITUS MALVADOS</a:t>
+            </a:r>
+            <a:br>
+              <a:rPr lang="es-VE" sz="6600" b="1" dirty="0">
+                <a:solidFill>
+                  <a:schemeClr val="accent5">
+                    <a:lumMod val="50000"/>
+                  </a:schemeClr>
+                </a:solidFill>
+              </a:rPr>
+            </a:br>
+            <a:r>
+              <a:rPr lang="es-VE" b="1" dirty="0">
+                <a:solidFill>
+                  <a:schemeClr val="accent5">
+                    <a:lumMod val="50000"/>
+                  </a:schemeClr>
+                </a:solidFill>
+              </a:rPr>
+              <a:t>6.2. Demonios</a:t>
+            </a:r>
+            <a:endParaRPr lang="es-VE" sz="6600" b="1" dirty="0">
+              <a:solidFill>
+                <a:schemeClr val="accent5">
+                  <a:lumMod val="50000"/>
+                </a:schemeClr>
+              </a:solidFill>
+            </a:endParaRPr>
+          </a:p>
+        </p:txBody>
+      </p:sp>
+      <p:sp>
+        <p:nvSpPr>
+          <p:cNvPr id="3" name="Marcador de contenido 2">
+            <a:extLst>
+              <a:ext uri="{FF2B5EF4-FFF2-40B4-BE49-F238E27FC236}">
+                <a16:creationId xmlns:a16="http://schemas.microsoft.com/office/drawing/2014/main" id="{AA130F57-7D31-4139-81B2-4D70486C00F2}"/>
+              </a:ext>
+            </a:extLst>
+          </p:cNvPr>
+          <p:cNvSpPr>
+            <a:spLocks noGrp="1"/>
+          </p:cNvSpPr>
+          <p:nvPr>
+            <p:ph idx="1"/>
+          </p:nvPr>
+        </p:nvSpPr>
+        <p:spPr>
+          <a:xfrm>
+            <a:off x="228600" y="1515035"/>
+            <a:ext cx="8686800" cy="3567953"/>
+          </a:xfrm>
+        </p:spPr>
+        <p:txBody>
+          <a:bodyPr anchor="ctr">
+            <a:noAutofit/>
+          </a:bodyPr>
+          <a:lstStyle/>
+          <a:p>
+            <a:pPr marL="0" indent="0">
+              <a:buNone/>
+            </a:pPr>
+            <a:r>
+              <a:rPr lang="es-VE" sz="2200" dirty="0">
+                <a:solidFill>
+                  <a:schemeClr val="accent5">
+                    <a:lumMod val="50000"/>
+                  </a:schemeClr>
+                </a:solidFill>
+              </a:rPr>
+              <a:t>En los evangelios los vemos como a espíritus sin cuerpo, que entran en el hombre, de quien se dice luego que tiene demonio. En algunos casos, más de un demonio fija residencia en la misma víctima </a:t>
+            </a:r>
+            <a:r>
+              <a:rPr lang="es-VE" sz="2200" b="1" dirty="0">
+                <a:solidFill>
+                  <a:schemeClr val="accent4">
+                    <a:lumMod val="75000"/>
+                  </a:schemeClr>
+                </a:solidFill>
+              </a:rPr>
+              <a:t>[1]</a:t>
+            </a:r>
+            <a:r>
+              <a:rPr lang="es-VE" sz="2200" dirty="0">
+                <a:solidFill>
+                  <a:schemeClr val="accent5">
+                    <a:lumMod val="50000"/>
+                  </a:schemeClr>
+                </a:solidFill>
+              </a:rPr>
+              <a:t>.</a:t>
+            </a:r>
+          </a:p>
+          <a:p>
+            <a:pPr marL="0" indent="0">
+              <a:buNone/>
+            </a:pPr>
+            <a:endParaRPr lang="es-VE" sz="2200" dirty="0">
+              <a:solidFill>
+                <a:schemeClr val="accent5">
+                  <a:lumMod val="50000"/>
+                </a:schemeClr>
+              </a:solidFill>
+            </a:endParaRPr>
+          </a:p>
+          <a:p>
+            <a:pPr marL="0" indent="0">
+              <a:buNone/>
+            </a:pPr>
+            <a:r>
+              <a:rPr lang="es-VE" sz="2200" dirty="0">
+                <a:solidFill>
+                  <a:schemeClr val="accent5">
+                    <a:lumMod val="50000"/>
+                  </a:schemeClr>
+                </a:solidFill>
+              </a:rPr>
+              <a:t>La morada de demonios en el hombre provoca en este locura, epilepsia y otras enfermedades, relacionadas principalmente con el sistema mental y nervioso </a:t>
+            </a:r>
+            <a:r>
+              <a:rPr lang="es-VE" sz="2200" b="1" dirty="0">
+                <a:solidFill>
+                  <a:schemeClr val="accent4">
+                    <a:lumMod val="75000"/>
+                  </a:schemeClr>
+                </a:solidFill>
+              </a:rPr>
+              <a:t>[2]</a:t>
+            </a:r>
+            <a:r>
+              <a:rPr lang="es-VE" sz="2200" dirty="0">
+                <a:solidFill>
+                  <a:schemeClr val="accent5">
+                    <a:lumMod val="50000"/>
+                  </a:schemeClr>
+                </a:solidFill>
+              </a:rPr>
+              <a:t>. La persona que está bajo la influencia del demonio no es dueña de sí misma; el mal espíritu habla por medio de su boca, o lo deja mudo a voluntad, lo lleva adonde quiere y por lo general lo emplea como instrumento suyo, impartiéndole a veces para ello poder sobrenatural.</a:t>
+            </a:r>
+            <a:endParaRPr lang="es-VE" sz="2200" b="1" dirty="0">
+              <a:solidFill>
+                <a:schemeClr val="accent5">
+                  <a:lumMod val="50000"/>
+                </a:schemeClr>
+              </a:solidFill>
+            </a:endParaRPr>
+          </a:p>
+        </p:txBody>
+      </p:sp>
+      <p:sp>
+        <p:nvSpPr>
+          <p:cNvPr id="4" name="Marcador de contenido 2">
+            <a:extLst>
+              <a:ext uri="{FF2B5EF4-FFF2-40B4-BE49-F238E27FC236}">
+                <a16:creationId xmlns:a16="http://schemas.microsoft.com/office/drawing/2014/main" id="{AD729BF5-40FC-4F23-B3BA-A58ACA0A56AD}"/>
+              </a:ext>
+            </a:extLst>
+          </p:cNvPr>
+          <p:cNvSpPr txBox="1">
+            <a:spLocks/>
+          </p:cNvSpPr>
+          <p:nvPr/>
+        </p:nvSpPr>
+        <p:spPr>
+          <a:xfrm>
+            <a:off x="228600" y="5181601"/>
+            <a:ext cx="8686800" cy="486210"/>
+          </a:xfrm>
+          <a:prstGeom prst="rect">
+            <a:avLst/>
+          </a:prstGeom>
+        </p:spPr>
+        <p:txBody>
+          <a:bodyPr vert="horz" lIns="91440" tIns="45720" rIns="91440" bIns="45720" rtlCol="0" anchor="ctr">
+            <a:noAutofit/>
+          </a:bodyPr>
+          <a:lstStyle>
+            <a:lvl1pPr marL="171446" indent="-171446" algn="l" defTabSz="685783" rtl="0" eaLnBrk="1" latinLnBrk="0" hangingPunct="1">
+              <a:lnSpc>
+                <a:spcPct val="90000"/>
+              </a:lnSpc>
+              <a:spcBef>
+                <a:spcPts val="751"/>
+              </a:spcBef>
+              <a:buFont typeface="Arial" panose="020B0604020202020204" pitchFamily="34" charset="0"/>
+              <a:buChar char="•"/>
+              <a:defRPr sz="2100" kern="1200">
+                <a:solidFill>
+                  <a:schemeClr val="tx1"/>
+                </a:solidFill>
+                <a:latin typeface="+mn-lt"/>
+                <a:ea typeface="+mn-ea"/>
+                <a:cs typeface="+mn-cs"/>
+              </a:defRPr>
+            </a:lvl1pPr>
+            <a:lvl2pPr marL="514338" indent="-171446" algn="l" defTabSz="685783" rtl="0" eaLnBrk="1" latinLnBrk="0" hangingPunct="1">
+              <a:lnSpc>
+                <a:spcPct val="90000"/>
+              </a:lnSpc>
+              <a:spcBef>
+                <a:spcPts val="375"/>
+              </a:spcBef>
+              <a:buFont typeface="Arial" panose="020B0604020202020204" pitchFamily="34" charset="0"/>
+              <a:buChar char="•"/>
+              <a:defRPr sz="1800" kern="1200">
+                <a:solidFill>
+                  <a:schemeClr val="tx1"/>
+                </a:solidFill>
+                <a:latin typeface="+mn-lt"/>
+                <a:ea typeface="+mn-ea"/>
+                <a:cs typeface="+mn-cs"/>
+              </a:defRPr>
+            </a:lvl2pPr>
+            <a:lvl3pPr marL="857229" indent="-171446" algn="l" defTabSz="685783" rtl="0" eaLnBrk="1" latinLnBrk="0" hangingPunct="1">
+              <a:lnSpc>
+                <a:spcPct val="90000"/>
+              </a:lnSpc>
+              <a:spcBef>
+                <a:spcPts val="375"/>
+              </a:spcBef>
+              <a:buFont typeface="Arial" panose="020B0604020202020204" pitchFamily="34" charset="0"/>
+              <a:buChar char="•"/>
+              <a:defRPr sz="1500" kern="1200">
+                <a:solidFill>
+                  <a:schemeClr val="tx1"/>
+                </a:solidFill>
+                <a:latin typeface="+mn-lt"/>
+                <a:ea typeface="+mn-ea"/>
+                <a:cs typeface="+mn-cs"/>
+              </a:defRPr>
+            </a:lvl3pPr>
+            <a:lvl4pPr marL="1200121" indent="-171446" algn="l" defTabSz="685783" rtl="0" eaLnBrk="1" latinLnBrk="0" hangingPunct="1">
+              <a:lnSpc>
+                <a:spcPct val="90000"/>
+              </a:lnSpc>
+              <a:spcBef>
+                <a:spcPts val="375"/>
+              </a:spcBef>
+              <a:buFont typeface="Arial" panose="020B0604020202020204" pitchFamily="34" charset="0"/>
+              <a:buChar char="•"/>
+              <a:defRPr sz="1351" kern="1200">
+                <a:solidFill>
+                  <a:schemeClr val="tx1"/>
+                </a:solidFill>
+                <a:latin typeface="+mn-lt"/>
+                <a:ea typeface="+mn-ea"/>
+                <a:cs typeface="+mn-cs"/>
+              </a:defRPr>
+            </a:lvl4pPr>
+            <a:lvl5pPr marL="1543012" indent="-171446" algn="l" defTabSz="685783" rtl="0" eaLnBrk="1" latinLnBrk="0" hangingPunct="1">
+              <a:lnSpc>
+                <a:spcPct val="90000"/>
+              </a:lnSpc>
+              <a:spcBef>
+                <a:spcPts val="375"/>
+              </a:spcBef>
+              <a:buFont typeface="Arial" panose="020B0604020202020204" pitchFamily="34" charset="0"/>
+              <a:buChar char="•"/>
+              <a:defRPr sz="1351" kern="1200">
+                <a:solidFill>
+                  <a:schemeClr val="tx1"/>
+                </a:solidFill>
+                <a:latin typeface="+mn-lt"/>
+                <a:ea typeface="+mn-ea"/>
+                <a:cs typeface="+mn-cs"/>
+              </a:defRPr>
+            </a:lvl5pPr>
+            <a:lvl6pPr marL="1885904" indent="-171446" algn="l" defTabSz="685783" rtl="0" eaLnBrk="1" latinLnBrk="0" hangingPunct="1">
+              <a:lnSpc>
+                <a:spcPct val="90000"/>
+              </a:lnSpc>
+              <a:spcBef>
+                <a:spcPts val="375"/>
+              </a:spcBef>
+              <a:buFont typeface="Arial" panose="020B0604020202020204" pitchFamily="34" charset="0"/>
+              <a:buChar char="•"/>
+              <a:defRPr sz="1351" kern="1200">
+                <a:solidFill>
+                  <a:schemeClr val="tx1"/>
+                </a:solidFill>
+                <a:latin typeface="+mn-lt"/>
+                <a:ea typeface="+mn-ea"/>
+                <a:cs typeface="+mn-cs"/>
+              </a:defRPr>
+            </a:lvl6pPr>
+            <a:lvl7pPr marL="2228795" indent="-171446" algn="l" defTabSz="685783" rtl="0" eaLnBrk="1" latinLnBrk="0" hangingPunct="1">
+              <a:lnSpc>
+                <a:spcPct val="90000"/>
+              </a:lnSpc>
+              <a:spcBef>
+                <a:spcPts val="375"/>
+              </a:spcBef>
+              <a:buFont typeface="Arial" panose="020B0604020202020204" pitchFamily="34" charset="0"/>
+              <a:buChar char="•"/>
+              <a:defRPr sz="1351" kern="1200">
+                <a:solidFill>
+                  <a:schemeClr val="tx1"/>
+                </a:solidFill>
+                <a:latin typeface="+mn-lt"/>
+                <a:ea typeface="+mn-ea"/>
+                <a:cs typeface="+mn-cs"/>
+              </a:defRPr>
+            </a:lvl7pPr>
+            <a:lvl8pPr marL="2571686" indent="-171446" algn="l" defTabSz="685783" rtl="0" eaLnBrk="1" latinLnBrk="0" hangingPunct="1">
+              <a:lnSpc>
+                <a:spcPct val="90000"/>
+              </a:lnSpc>
+              <a:spcBef>
+                <a:spcPts val="375"/>
+              </a:spcBef>
+              <a:buFont typeface="Arial" panose="020B0604020202020204" pitchFamily="34" charset="0"/>
+              <a:buChar char="•"/>
+              <a:defRPr sz="1351" kern="1200">
+                <a:solidFill>
+                  <a:schemeClr val="tx1"/>
+                </a:solidFill>
+                <a:latin typeface="+mn-lt"/>
+                <a:ea typeface="+mn-ea"/>
+                <a:cs typeface="+mn-cs"/>
+              </a:defRPr>
+            </a:lvl8pPr>
+            <a:lvl9pPr marL="2914578" indent="-171446" algn="l" defTabSz="685783" rtl="0" eaLnBrk="1" latinLnBrk="0" hangingPunct="1">
+              <a:lnSpc>
+                <a:spcPct val="90000"/>
+              </a:lnSpc>
+              <a:spcBef>
+                <a:spcPts val="375"/>
+              </a:spcBef>
+              <a:buFont typeface="Arial" panose="020B0604020202020204" pitchFamily="34" charset="0"/>
+              <a:buChar char="•"/>
+              <a:defRPr sz="1351" kern="1200">
+                <a:solidFill>
+                  <a:schemeClr val="tx1"/>
+                </a:solidFill>
+                <a:latin typeface="+mn-lt"/>
+                <a:ea typeface="+mn-ea"/>
+                <a:cs typeface="+mn-cs"/>
+              </a:defRPr>
+            </a:lvl9pPr>
+          </a:lstStyle>
+          <a:p>
+            <a:pPr marL="0" lvl="0" indent="0" algn="r">
+              <a:buNone/>
+            </a:pPr>
+            <a:r>
+              <a:rPr kumimoji="0" lang="es-VE" sz="1600" b="1" i="0" u="none" strike="noStrike" kern="1200" cap="none" spc="0" normalizeH="0" baseline="0" noProof="0" dirty="0">
+                <a:ln>
+                  <a:noFill/>
+                </a:ln>
+                <a:solidFill>
+                  <a:schemeClr val="accent4">
+                    <a:lumMod val="75000"/>
+                  </a:schemeClr>
+                </a:solidFill>
+                <a:effectLst/>
+                <a:uLnTx/>
+                <a:uFillTx/>
+                <a:latin typeface="Calibri" panose="020F0502020204030204"/>
+                <a:ea typeface="+mn-ea"/>
+                <a:cs typeface="+mn-cs"/>
+              </a:rPr>
+              <a:t>[1</a:t>
+            </a:r>
+            <a:r>
+              <a:rPr lang="es-VE" sz="1600" b="1" dirty="0">
+                <a:solidFill>
+                  <a:schemeClr val="accent4">
+                    <a:lumMod val="75000"/>
+                  </a:schemeClr>
+                </a:solidFill>
+              </a:rPr>
+              <a:t>]</a:t>
+            </a:r>
+            <a:r>
+              <a:rPr lang="es-VE" sz="1600" b="1" dirty="0">
+                <a:solidFill>
+                  <a:schemeClr val="accent5">
+                    <a:lumMod val="50000"/>
+                  </a:schemeClr>
+                </a:solidFill>
+              </a:rPr>
+              <a:t> </a:t>
+            </a:r>
+            <a:r>
+              <a:rPr lang="es-VE" sz="1600" dirty="0">
+                <a:solidFill>
+                  <a:schemeClr val="accent5">
+                    <a:lumMod val="50000"/>
+                  </a:schemeClr>
+                </a:solidFill>
+              </a:rPr>
+              <a:t>Marcos 16:9; </a:t>
+            </a:r>
+            <a:r>
+              <a:rPr lang="es-VE" sz="1600" dirty="0" err="1">
+                <a:solidFill>
+                  <a:schemeClr val="accent5">
+                    <a:lumMod val="50000"/>
+                  </a:schemeClr>
+                </a:solidFill>
+              </a:rPr>
+              <a:t>Lc</a:t>
+            </a:r>
+            <a:r>
+              <a:rPr lang="es-VE" sz="1600" dirty="0">
+                <a:solidFill>
+                  <a:schemeClr val="accent5">
+                    <a:lumMod val="50000"/>
+                  </a:schemeClr>
+                </a:solidFill>
+              </a:rPr>
+              <a:t> 8:2</a:t>
+            </a:r>
+            <a:r>
+              <a:rPr lang="es-VE" sz="1600" b="1" dirty="0">
+                <a:solidFill>
+                  <a:schemeClr val="accent5">
+                    <a:lumMod val="50000"/>
+                  </a:schemeClr>
+                </a:solidFill>
+              </a:rPr>
+              <a:t> </a:t>
+            </a:r>
+            <a:r>
+              <a:rPr lang="es-VE" sz="1600" b="1" dirty="0">
+                <a:solidFill>
+                  <a:schemeClr val="accent4">
+                    <a:lumMod val="75000"/>
+                  </a:schemeClr>
+                </a:solidFill>
+              </a:rPr>
+              <a:t>[</a:t>
+            </a:r>
+            <a:r>
+              <a:rPr kumimoji="0" lang="es-VE" sz="1600" b="1" i="0" u="none" strike="noStrike" kern="1200" cap="none" spc="0" normalizeH="0" baseline="0" noProof="0" dirty="0">
+                <a:ln>
+                  <a:noFill/>
+                </a:ln>
+                <a:solidFill>
+                  <a:schemeClr val="accent4">
+                    <a:lumMod val="75000"/>
+                  </a:schemeClr>
+                </a:solidFill>
+                <a:effectLst/>
+                <a:uLnTx/>
+                <a:uFillTx/>
+                <a:latin typeface="Calibri" panose="020F0502020204030204"/>
+                <a:ea typeface="+mn-ea"/>
+                <a:cs typeface="+mn-cs"/>
+              </a:rPr>
+              <a:t>2</a:t>
+            </a:r>
+            <a:r>
+              <a:rPr lang="es-VE" sz="1600" b="1" dirty="0">
+                <a:solidFill>
+                  <a:schemeClr val="accent4">
+                    <a:lumMod val="75000"/>
+                  </a:schemeClr>
+                </a:solidFill>
+              </a:rPr>
+              <a:t>]</a:t>
+            </a:r>
+            <a:r>
+              <a:rPr lang="es-VE" sz="1600" b="1" dirty="0">
+                <a:solidFill>
+                  <a:schemeClr val="accent5">
+                    <a:lumMod val="50000"/>
+                  </a:schemeClr>
+                </a:solidFill>
+              </a:rPr>
+              <a:t> </a:t>
+            </a:r>
+            <a:r>
+              <a:rPr lang="pt-BR" sz="1600" dirty="0" err="1">
+                <a:solidFill>
+                  <a:schemeClr val="accent5">
+                    <a:lumMod val="50000"/>
+                  </a:schemeClr>
+                </a:solidFill>
+              </a:rPr>
+              <a:t>Mt</a:t>
+            </a:r>
+            <a:r>
+              <a:rPr lang="pt-BR" sz="1600" dirty="0">
+                <a:solidFill>
+                  <a:schemeClr val="accent5">
+                    <a:lumMod val="50000"/>
+                  </a:schemeClr>
+                </a:solidFill>
+              </a:rPr>
+              <a:t> 9:33; </a:t>
+            </a:r>
+            <a:r>
+              <a:rPr lang="pt-BR" sz="1600" dirty="0" err="1">
+                <a:solidFill>
+                  <a:schemeClr val="accent5">
+                    <a:lumMod val="50000"/>
+                  </a:schemeClr>
+                </a:solidFill>
+              </a:rPr>
+              <a:t>Mt</a:t>
+            </a:r>
+            <a:r>
+              <a:rPr lang="pt-BR" sz="1600" dirty="0">
+                <a:solidFill>
+                  <a:schemeClr val="accent5">
+                    <a:lumMod val="50000"/>
+                  </a:schemeClr>
+                </a:solidFill>
+              </a:rPr>
+              <a:t> 12:22; Mar 5:4-5</a:t>
+            </a:r>
+            <a:endParaRPr kumimoji="0" lang="es-VE" sz="1600" i="0" u="none" strike="noStrike" kern="1200" cap="none" spc="0" normalizeH="0" baseline="0" noProof="0" dirty="0">
+              <a:ln>
+                <a:noFill/>
+              </a:ln>
+              <a:solidFill>
+                <a:schemeClr val="accent5">
+                  <a:lumMod val="50000"/>
+                </a:schemeClr>
+              </a:solidFill>
+              <a:effectLst/>
+              <a:uLnTx/>
+              <a:uFillTx/>
+              <a:latin typeface="Calibri" panose="020F0502020204030204"/>
+            </a:endParaRPr>
+          </a:p>
+        </p:txBody>
+      </p:sp>
+    </p:spTree>
+    <p:extLst>
+      <p:ext uri="{BB962C8B-B14F-4D97-AF65-F5344CB8AC3E}">
+        <p14:creationId xmlns:p14="http://schemas.microsoft.com/office/powerpoint/2010/main" val="1901137733"/>
       </p:ext>
     </p:extLst>
   </p:cSld>
